--- a/Documentation/DS & DL/DS/Docs+/Paula/what i have learned.pptx
+++ b/Documentation/DS & DL/DS/Docs+/Paula/what i have learned.pptx
@@ -19,6 +19,7 @@
     <p:sldId id="264" r:id="rId15"/>
     <p:sldId id="265" r:id="rId16"/>
     <p:sldId id="266" r:id="rId17"/>
+    <p:sldId id="267" r:id="rId18"/>
   </p:sldIdLst>
   <p:sldSz cy="5143500" cx="9144000"/>
   <p:notesSz cx="6858000" cy="9144000"/>
@@ -949,6 +950,105 @@
       <p:sp>
         <p:nvSpPr>
           <p:cNvPr id="126" name="Google Shape;126;g7bb30f1b5962c185_2:notes"/>
+          <p:cNvSpPr txBox="1"/>
+          <p:nvPr>
+            <p:ph idx="1" type="body"/>
+          </p:nvPr>
+        </p:nvSpPr>
+        <p:spPr>
+          <a:xfrm>
+            <a:off x="685800" y="4343400"/>
+            <a:ext cx="5486400" cy="4114800"/>
+          </a:xfrm>
+          <a:prstGeom prst="rect">
+            <a:avLst/>
+          </a:prstGeom>
+        </p:spPr>
+        <p:txBody>
+          <a:bodyPr anchorCtr="0" anchor="t" bIns="91425" lIns="91425" spcFirstLastPara="1" rIns="91425" wrap="square" tIns="91425">
+            <a:noAutofit/>
+          </a:bodyPr>
+          <a:lstStyle/>
+          <a:p>
+            <a:pPr indent="0" lvl="0" marL="0" rtl="0" algn="l">
+              <a:spcBef>
+                <a:spcPts val="0"/>
+              </a:spcBef>
+              <a:spcAft>
+                <a:spcPts val="0"/>
+              </a:spcAft>
+              <a:buNone/>
+            </a:pPr>
+            <a:r>
+              <a:t/>
+            </a:r>
+            <a:endParaRPr/>
+          </a:p>
+        </p:txBody>
+      </p:sp>
+    </p:spTree>
+  </p:cSld>
+  <p:clrMapOvr>
+    <a:masterClrMapping/>
+  </p:clrMapOvr>
+</p:notes>
+</file>
+
+<file path=ppt/notesSlides/notesSlide12.xml><?xml version="1.0" encoding="utf-8"?>
+<p:notes xmlns:a="http://schemas.openxmlformats.org/drawingml/2006/main" xmlns:r="http://schemas.openxmlformats.org/officeDocument/2006/relationships" xmlns:mc="http://schemas.openxmlformats.org/markup-compatibility/2006" xmlns:mv="urn:schemas-microsoft-com:mac:vml" xmlns:p="http://schemas.openxmlformats.org/presentationml/2006/main" xmlns:c="http://schemas.openxmlformats.org/drawingml/2006/chart" xmlns:dgm="http://schemas.openxmlformats.org/drawingml/2006/diagram" xmlns:o="urn:schemas-microsoft-com:office:office" xmlns:v="urn:schemas-microsoft-com:vml" xmlns:pvml="urn:schemas-microsoft-com:office:powerpoint" xmlns:com="http://schemas.openxmlformats.org/drawingml/2006/compatibility" xmlns:p14="http://schemas.microsoft.com/office/powerpoint/2010/main" xmlns:p15="http://schemas.microsoft.com/office/powerpoint/2012/main" xmlns:ahyp="http://schemas.microsoft.com/office/drawing/2018/hyperlinkcolor" showMasterPhAnim="0" showMasterSp="0">
+  <p:cSld>
+    <p:spTree>
+      <p:nvGrpSpPr>
+        <p:cNvPr id="133" name="Shape 133"/>
+        <p:cNvGrpSpPr/>
+        <p:nvPr/>
+      </p:nvGrpSpPr>
+      <p:grpSpPr>
+        <a:xfrm>
+          <a:off x="0" y="0"/>
+          <a:ext cx="0" cy="0"/>
+          <a:chOff x="0" y="0"/>
+          <a:chExt cx="0" cy="0"/>
+        </a:xfrm>
+      </p:grpSpPr>
+      <p:sp>
+        <p:nvSpPr>
+          <p:cNvPr id="134" name="Google Shape;134;g7de3adf954e36dd5_3:notes"/>
+          <p:cNvSpPr/>
+          <p:nvPr>
+            <p:ph idx="2" type="sldImg"/>
+          </p:nvPr>
+        </p:nvSpPr>
+        <p:spPr>
+          <a:xfrm>
+            <a:off x="381300" y="685800"/>
+            <a:ext cx="6096000" cy="3429000"/>
+          </a:xfrm>
+          <a:custGeom>
+            <a:rect b="b" l="l" r="r" t="t"/>
+            <a:pathLst>
+              <a:path extrusionOk="0" h="120000" w="120000">
+                <a:moveTo>
+                  <a:pt x="0" y="0"/>
+                </a:moveTo>
+                <a:lnTo>
+                  <a:pt x="120000" y="0"/>
+                </a:lnTo>
+                <a:lnTo>
+                  <a:pt x="120000" y="120000"/>
+                </a:lnTo>
+                <a:lnTo>
+                  <a:pt x="0" y="120000"/>
+                </a:lnTo>
+                <a:close/>
+              </a:path>
+            </a:pathLst>
+          </a:custGeom>
+        </p:spPr>
+      </p:sp>
+      <p:sp>
+        <p:nvSpPr>
+          <p:cNvPr id="135" name="Google Shape;135;g7de3adf954e36dd5_3:notes"/>
           <p:cNvSpPr txBox="1"/>
           <p:nvPr>
             <p:ph idx="1" type="body"/>
@@ -6835,8 +6935,8 @@
         </p:nvSpPr>
         <p:spPr>
           <a:xfrm>
-            <a:off x="311700" y="1152475"/>
-            <a:ext cx="8520600" cy="3416400"/>
+            <a:off x="311700" y="1266650"/>
+            <a:ext cx="8520600" cy="3593700"/>
           </a:xfrm>
           <a:prstGeom prst="rect">
             <a:avLst/>
@@ -6853,13 +6953,29 @@
                 <a:spcPts val="0"/>
               </a:spcBef>
               <a:spcAft>
+                <a:spcPts val="0"/>
+              </a:spcAft>
+              <a:buNone/>
+            </a:pPr>
+            <a:r>
+              <a:rPr lang="en-GB"/>
+              <a:t>with KNearestNeigbours:					Predictions on Future Data: </a:t>
+            </a:r>
+            <a:endParaRPr/>
+          </a:p>
+          <a:p>
+            <a:pPr indent="0" lvl="0" marL="0" rtl="0" algn="l">
+              <a:spcBef>
                 <a:spcPts val="1200"/>
+              </a:spcBef>
+              <a:spcAft>
+                <a:spcPts val="1200"/>
               </a:spcAft>
               <a:buNone/>
             </a:pPr>
             <a:r>
               <a:rPr lang="en-GB"/>
-              <a:t>with KNearestNeigbours</a:t>
+              <a:t>Predictions on old/exisiting data: True</a:t>
             </a:r>
             <a:endParaRPr/>
           </a:p>
@@ -6881,8 +6997,241 @@
         </p:blipFill>
         <p:spPr>
           <a:xfrm>
-            <a:off x="177020" y="0"/>
-            <a:ext cx="8789958" cy="5143499"/>
+            <a:off x="4572000" y="1732850"/>
+            <a:ext cx="4139151" cy="3127624"/>
+          </a:xfrm>
+          <a:prstGeom prst="rect">
+            <a:avLst/>
+          </a:prstGeom>
+          <a:noFill/>
+          <a:ln>
+            <a:noFill/>
+          </a:ln>
+        </p:spPr>
+      </p:pic>
+      <p:sp>
+        <p:nvSpPr>
+          <p:cNvPr id="131" name="Google Shape;131;p23"/>
+          <p:cNvSpPr txBox="1"/>
+          <p:nvPr/>
+        </p:nvSpPr>
+        <p:spPr>
+          <a:xfrm>
+            <a:off x="4202" y="2038350"/>
+            <a:ext cx="9144000" cy="463800"/>
+          </a:xfrm>
+          <a:prstGeom prst="rect">
+            <a:avLst/>
+          </a:prstGeom>
+          <a:noFill/>
+          <a:ln>
+            <a:noFill/>
+          </a:ln>
+        </p:spPr>
+        <p:txBody>
+          <a:bodyPr anchorCtr="0" anchor="t" bIns="91425" lIns="91425" spcFirstLastPara="1" rIns="91425" wrap="square" tIns="91425">
+            <a:spAutoFit/>
+          </a:bodyPr>
+          <a:lstStyle/>
+          <a:p>
+            <a:pPr indent="0" lvl="0" marL="0" rtl="0" algn="l">
+              <a:spcBef>
+                <a:spcPts val="0"/>
+              </a:spcBef>
+              <a:spcAft>
+                <a:spcPts val="0"/>
+              </a:spcAft>
+              <a:buNone/>
+            </a:pPr>
+            <a:r>
+              <a:t/>
+            </a:r>
+            <a:endParaRPr sz="1800">
+              <a:solidFill>
+                <a:schemeClr val="dk2"/>
+              </a:solidFill>
+            </a:endParaRPr>
+          </a:p>
+        </p:txBody>
+      </p:sp>
+      <p:pic>
+        <p:nvPicPr>
+          <p:cNvPr id="132" name="Google Shape;132;p23"/>
+          <p:cNvPicPr preferRelativeResize="0"/>
+          <p:nvPr/>
+        </p:nvPicPr>
+        <p:blipFill>
+          <a:blip r:embed="rId4">
+            <a:alphaModFix/>
+          </a:blip>
+          <a:stretch>
+            <a:fillRect/>
+          </a:stretch>
+        </p:blipFill>
+        <p:spPr>
+          <a:xfrm>
+            <a:off x="398125" y="2255225"/>
+            <a:ext cx="3981702" cy="2378474"/>
+          </a:xfrm>
+          <a:prstGeom prst="rect">
+            <a:avLst/>
+          </a:prstGeom>
+          <a:noFill/>
+          <a:ln>
+            <a:noFill/>
+          </a:ln>
+        </p:spPr>
+      </p:pic>
+    </p:spTree>
+  </p:cSld>
+  <p:clrMapOvr>
+    <a:masterClrMapping/>
+  </p:clrMapOvr>
+</p:sld>
+</file>
+
+<file path=ppt/slides/slide12.xml><?xml version="1.0" encoding="utf-8"?>
+<p:sld xmlns:a="http://schemas.openxmlformats.org/drawingml/2006/main" xmlns:r="http://schemas.openxmlformats.org/officeDocument/2006/relationships" xmlns:mc="http://schemas.openxmlformats.org/markup-compatibility/2006" xmlns:mv="urn:schemas-microsoft-com:mac:vml" xmlns:p="http://schemas.openxmlformats.org/presentationml/2006/main" xmlns:c="http://schemas.openxmlformats.org/drawingml/2006/chart" xmlns:dgm="http://schemas.openxmlformats.org/drawingml/2006/diagram" xmlns:o="urn:schemas-microsoft-com:office:office" xmlns:v="urn:schemas-microsoft-com:vml" xmlns:pvml="urn:schemas-microsoft-com:office:powerpoint" xmlns:com="http://schemas.openxmlformats.org/drawingml/2006/compatibility" xmlns:p14="http://schemas.microsoft.com/office/powerpoint/2010/main" xmlns:p15="http://schemas.microsoft.com/office/powerpoint/2012/main" xmlns:ahyp="http://schemas.microsoft.com/office/drawing/2018/hyperlinkcolor">
+  <p:cSld>
+    <p:spTree>
+      <p:nvGrpSpPr>
+        <p:cNvPr id="136" name="Shape 136"/>
+        <p:cNvGrpSpPr/>
+        <p:nvPr/>
+      </p:nvGrpSpPr>
+      <p:grpSpPr>
+        <a:xfrm>
+          <a:off x="0" y="0"/>
+          <a:ext cx="0" cy="0"/>
+          <a:chOff x="0" y="0"/>
+          <a:chExt cx="0" cy="0"/>
+        </a:xfrm>
+      </p:grpSpPr>
+      <p:sp>
+        <p:nvSpPr>
+          <p:cNvPr id="137" name="Google Shape;137;p24"/>
+          <p:cNvSpPr txBox="1"/>
+          <p:nvPr>
+            <p:ph type="title"/>
+          </p:nvPr>
+        </p:nvSpPr>
+        <p:spPr>
+          <a:xfrm>
+            <a:off x="311700" y="445025"/>
+            <a:ext cx="8520600" cy="572700"/>
+          </a:xfrm>
+          <a:prstGeom prst="rect">
+            <a:avLst/>
+          </a:prstGeom>
+        </p:spPr>
+        <p:txBody>
+          <a:bodyPr anchorCtr="0" anchor="t" bIns="91425" lIns="91425" spcFirstLastPara="1" rIns="91425" wrap="square" tIns="91425">
+            <a:normAutofit fontScale="90000"/>
+          </a:bodyPr>
+          <a:lstStyle/>
+          <a:p>
+            <a:pPr indent="0" lvl="0" marL="0" rtl="0" algn="l">
+              <a:spcBef>
+                <a:spcPts val="0"/>
+              </a:spcBef>
+              <a:spcAft>
+                <a:spcPts val="0"/>
+              </a:spcAft>
+              <a:buNone/>
+            </a:pPr>
+            <a:r>
+              <a:rPr lang="en-GB"/>
+              <a:t>Validation</a:t>
+            </a:r>
+            <a:endParaRPr/>
+          </a:p>
+        </p:txBody>
+      </p:sp>
+      <p:sp>
+        <p:nvSpPr>
+          <p:cNvPr id="138" name="Google Shape;138;p24"/>
+          <p:cNvSpPr txBox="1"/>
+          <p:nvPr>
+            <p:ph idx="1" type="body"/>
+          </p:nvPr>
+        </p:nvSpPr>
+        <p:spPr>
+          <a:xfrm>
+            <a:off x="311700" y="1152475"/>
+            <a:ext cx="8520600" cy="3416400"/>
+          </a:xfrm>
+          <a:prstGeom prst="rect">
+            <a:avLst/>
+          </a:prstGeom>
+        </p:spPr>
+        <p:txBody>
+          <a:bodyPr anchorCtr="0" anchor="t" bIns="91425" lIns="91425" spcFirstLastPara="1" rIns="91425" wrap="square" tIns="91425">
+            <a:normAutofit/>
+          </a:bodyPr>
+          <a:lstStyle/>
+          <a:p>
+            <a:pPr indent="0" lvl="0" marL="0" rtl="0" algn="l">
+              <a:spcBef>
+                <a:spcPts val="0"/>
+              </a:spcBef>
+              <a:spcAft>
+                <a:spcPts val="1200"/>
+              </a:spcAft>
+              <a:buNone/>
+            </a:pPr>
+            <a:r>
+              <a:t/>
+            </a:r>
+            <a:endParaRPr/>
+          </a:p>
+        </p:txBody>
+      </p:sp>
+      <p:pic>
+        <p:nvPicPr>
+          <p:cNvPr id="139" name="Google Shape;139;p24"/>
+          <p:cNvPicPr preferRelativeResize="0"/>
+          <p:nvPr/>
+        </p:nvPicPr>
+        <p:blipFill>
+          <a:blip r:embed="rId3">
+            <a:alphaModFix/>
+          </a:blip>
+          <a:stretch>
+            <a:fillRect/>
+          </a:stretch>
+        </p:blipFill>
+        <p:spPr>
+          <a:xfrm>
+            <a:off x="311700" y="1152475"/>
+            <a:ext cx="4260301" cy="3416400"/>
+          </a:xfrm>
+          <a:prstGeom prst="rect">
+            <a:avLst/>
+          </a:prstGeom>
+          <a:noFill/>
+          <a:ln>
+            <a:noFill/>
+          </a:ln>
+        </p:spPr>
+      </p:pic>
+      <p:pic>
+        <p:nvPicPr>
+          <p:cNvPr id="140" name="Google Shape;140;p24"/>
+          <p:cNvPicPr preferRelativeResize="0"/>
+          <p:nvPr/>
+        </p:nvPicPr>
+        <p:blipFill>
+          <a:blip r:embed="rId4">
+            <a:alphaModFix/>
+          </a:blip>
+          <a:stretch>
+            <a:fillRect/>
+          </a:stretch>
+        </p:blipFill>
+        <p:spPr>
+          <a:xfrm>
+            <a:off x="4665714" y="1152475"/>
+            <a:ext cx="4166588" cy="3416399"/>
           </a:xfrm>
           <a:prstGeom prst="rect">
             <a:avLst/>
@@ -8305,7 +8654,7 @@
             <a:tbl>
               <a:tblPr>
                 <a:noFill/>
-                <a:tableStyleId>{64A51718-5A8B-47CF-B8E6-F7BEAC0FE2E3}</a:tableStyleId>
+                <a:tableStyleId>{7778D369-6B0B-4D95-BA7C-703A284F7690}</a:tableStyleId>
               </a:tblPr>
               <a:tblGrid>
                 <a:gridCol w="1381200"/>
